--- a/Unix_PPT.pptx
+++ b/Unix_PPT.pptx
@@ -273,7 +273,7 @@
           <a:p>
             <a:fld id="{9BA0EF27-7655-4C9E-9143-82C97B4B445A}" type="datetimeFigureOut">
               <a:rPr lang="en-US" smtClean="0"/>
-              <a:t>9/8/2022</a:t>
+              <a:t>9/14/2022</a:t>
             </a:fld>
             <a:endParaRPr lang="en-US"/>
           </a:p>
@@ -471,7 +471,7 @@
           <a:p>
             <a:fld id="{9BA0EF27-7655-4C9E-9143-82C97B4B445A}" type="datetimeFigureOut">
               <a:rPr lang="en-US" smtClean="0"/>
-              <a:t>9/8/2022</a:t>
+              <a:t>9/14/2022</a:t>
             </a:fld>
             <a:endParaRPr lang="en-US"/>
           </a:p>
@@ -679,7 +679,7 @@
           <a:p>
             <a:fld id="{9BA0EF27-7655-4C9E-9143-82C97B4B445A}" type="datetimeFigureOut">
               <a:rPr lang="en-US" smtClean="0"/>
-              <a:t>9/8/2022</a:t>
+              <a:t>9/14/2022</a:t>
             </a:fld>
             <a:endParaRPr lang="en-US"/>
           </a:p>
@@ -877,7 +877,7 @@
           <a:p>
             <a:fld id="{9BA0EF27-7655-4C9E-9143-82C97B4B445A}" type="datetimeFigureOut">
               <a:rPr lang="en-US" smtClean="0"/>
-              <a:t>9/8/2022</a:t>
+              <a:t>9/14/2022</a:t>
             </a:fld>
             <a:endParaRPr lang="en-US"/>
           </a:p>
@@ -1152,7 +1152,7 @@
           <a:p>
             <a:fld id="{9BA0EF27-7655-4C9E-9143-82C97B4B445A}" type="datetimeFigureOut">
               <a:rPr lang="en-US" smtClean="0"/>
-              <a:t>9/8/2022</a:t>
+              <a:t>9/14/2022</a:t>
             </a:fld>
             <a:endParaRPr lang="en-US"/>
           </a:p>
@@ -1417,7 +1417,7 @@
           <a:p>
             <a:fld id="{9BA0EF27-7655-4C9E-9143-82C97B4B445A}" type="datetimeFigureOut">
               <a:rPr lang="en-US" smtClean="0"/>
-              <a:t>9/8/2022</a:t>
+              <a:t>9/14/2022</a:t>
             </a:fld>
             <a:endParaRPr lang="en-US"/>
           </a:p>
@@ -1829,7 +1829,7 @@
           <a:p>
             <a:fld id="{9BA0EF27-7655-4C9E-9143-82C97B4B445A}" type="datetimeFigureOut">
               <a:rPr lang="en-US" smtClean="0"/>
-              <a:t>9/8/2022</a:t>
+              <a:t>9/14/2022</a:t>
             </a:fld>
             <a:endParaRPr lang="en-US"/>
           </a:p>
@@ -1970,7 +1970,7 @@
           <a:p>
             <a:fld id="{9BA0EF27-7655-4C9E-9143-82C97B4B445A}" type="datetimeFigureOut">
               <a:rPr lang="en-US" smtClean="0"/>
-              <a:t>9/8/2022</a:t>
+              <a:t>9/14/2022</a:t>
             </a:fld>
             <a:endParaRPr lang="en-US"/>
           </a:p>
@@ -2083,7 +2083,7 @@
           <a:p>
             <a:fld id="{9BA0EF27-7655-4C9E-9143-82C97B4B445A}" type="datetimeFigureOut">
               <a:rPr lang="en-US" smtClean="0"/>
-              <a:t>9/8/2022</a:t>
+              <a:t>9/14/2022</a:t>
             </a:fld>
             <a:endParaRPr lang="en-US"/>
           </a:p>
@@ -2394,7 +2394,7 @@
           <a:p>
             <a:fld id="{9BA0EF27-7655-4C9E-9143-82C97B4B445A}" type="datetimeFigureOut">
               <a:rPr lang="en-US" smtClean="0"/>
-              <a:t>9/8/2022</a:t>
+              <a:t>9/14/2022</a:t>
             </a:fld>
             <a:endParaRPr lang="en-US"/>
           </a:p>
@@ -2682,7 +2682,7 @@
           <a:p>
             <a:fld id="{9BA0EF27-7655-4C9E-9143-82C97B4B445A}" type="datetimeFigureOut">
               <a:rPr lang="en-US" smtClean="0"/>
-              <a:t>9/8/2022</a:t>
+              <a:t>9/14/2022</a:t>
             </a:fld>
             <a:endParaRPr lang="en-US"/>
           </a:p>
@@ -2923,7 +2923,7 @@
           <a:p>
             <a:fld id="{9BA0EF27-7655-4C9E-9143-82C97B4B445A}" type="datetimeFigureOut">
               <a:rPr lang="en-US" smtClean="0"/>
-              <a:t>9/8/2022</a:t>
+              <a:t>9/14/2022</a:t>
             </a:fld>
             <a:endParaRPr lang="en-US"/>
           </a:p>
@@ -7165,8 +7165,21 @@
                 <a:ea typeface="Calibri" panose="020F0502020204030204" pitchFamily="34" charset="0"/>
                 <a:cs typeface="Times New Roman" panose="02020603050405020304" pitchFamily="18" charset="0"/>
               </a:rPr>
-              <a:t>ouch a.txt b.txt</a:t>
-            </a:r>
+              <a:t>ouch a.txt b.txt : to </a:t>
+            </a:r>
+            <a:r>
+              <a:rPr lang="en-US">
+                <a:effectLst/>
+                <a:ea typeface="Calibri" panose="020F0502020204030204" pitchFamily="34" charset="0"/>
+                <a:cs typeface="Times New Roman" panose="02020603050405020304" pitchFamily="18" charset="0"/>
+              </a:rPr>
+              <a:t>create files</a:t>
+            </a:r>
+            <a:endParaRPr lang="en-US" dirty="0">
+              <a:effectLst/>
+              <a:ea typeface="Calibri" panose="020F0502020204030204" pitchFamily="34" charset="0"/>
+              <a:cs typeface="Times New Roman" panose="02020603050405020304" pitchFamily="18" charset="0"/>
+            </a:endParaRPr>
           </a:p>
           <a:p>
             <a:pPr marL="0" marR="0">
